--- a/documentation/SystemFormulation_ss_wn.pptx
+++ b/documentation/SystemFormulation_ss_wn.pptx
@@ -177,7 +177,7 @@
 <file path=ppt/revisionInfo.xml><?xml version="1.0" encoding="utf-8"?>
 <p1510:revInfo xmlns:a="http://schemas.openxmlformats.org/drawingml/2006/main" xmlns:r="http://schemas.openxmlformats.org/officeDocument/2006/relationships" xmlns:p1510="http://schemas.microsoft.com/office/powerpoint/2015/10/main">
   <p1510:revLst>
-    <p1510:client id="{D0FF0A54-3F1D-461D-A509-F6E4EABFC048}" v="3" dt="2022-05-06T13:53:21.533"/>
+    <p1510:client id="{F8CB4D5E-29A4-495E-9BC5-80DDB042786D}" v="2" dt="2022-08-10T09:34:02.722"/>
   </p1510:revLst>
 </p1510:revInfo>
 </file>
@@ -1070,6 +1070,30 @@
     </pc:docChg>
   </pc:docChgLst>
   <pc:docChgLst>
+    <pc:chgData name="Øyvind Wiig Petersen" userId="8db00c4c-acc5-4dea-8516-ccf730572e42" providerId="ADAL" clId="{F8CB4D5E-29A4-495E-9BC5-80DDB042786D}"/>
+    <pc:docChg chg="modSld">
+      <pc:chgData name="Øyvind Wiig Petersen" userId="8db00c4c-acc5-4dea-8516-ccf730572e42" providerId="ADAL" clId="{F8CB4D5E-29A4-495E-9BC5-80DDB042786D}" dt="2022-08-10T09:33:20.944" v="0"/>
+      <pc:docMkLst>
+        <pc:docMk/>
+      </pc:docMkLst>
+      <pc:sldChg chg="modSp">
+        <pc:chgData name="Øyvind Wiig Petersen" userId="8db00c4c-acc5-4dea-8516-ccf730572e42" providerId="ADAL" clId="{F8CB4D5E-29A4-495E-9BC5-80DDB042786D}" dt="2022-08-10T09:33:20.944" v="0"/>
+        <pc:sldMkLst>
+          <pc:docMk/>
+          <pc:sldMk cId="2297208258" sldId="571"/>
+        </pc:sldMkLst>
+        <pc:graphicFrameChg chg="mod">
+          <ac:chgData name="Øyvind Wiig Petersen" userId="8db00c4c-acc5-4dea-8516-ccf730572e42" providerId="ADAL" clId="{F8CB4D5E-29A4-495E-9BC5-80DDB042786D}" dt="2022-08-10T09:33:20.944" v="0"/>
+          <ac:graphicFrameMkLst>
+            <pc:docMk/>
+            <pc:sldMk cId="2297208258" sldId="571"/>
+            <ac:graphicFrameMk id="19" creationId="{22F7E8B9-39F9-4984-9D73-EEFB625F7E86}"/>
+          </ac:graphicFrameMkLst>
+        </pc:graphicFrameChg>
+      </pc:sldChg>
+    </pc:docChg>
+  </pc:docChgLst>
+  <pc:docChgLst>
     <pc:chgData name="Øyvind Wiig Petersen" userId="8db00c4c-acc5-4dea-8516-ccf730572e42" providerId="ADAL" clId="{65CFBC25-153C-4FBA-9FE3-3ACA0B278A6E}"/>
     <pc:docChg chg="undo custSel modSld sldOrd">
       <pc:chgData name="Øyvind Wiig Petersen" userId="8db00c4c-acc5-4dea-8516-ccf730572e42" providerId="ADAL" clId="{65CFBC25-153C-4FBA-9FE3-3ACA0B278A6E}" dt="2021-09-21T12:50:38.848" v="188"/>
@@ -1428,7 +1452,7 @@
           <a:p>
             <a:fld id="{A5900E29-18E1-4109-AAA1-F28C0AAA934D}" type="datetimeFigureOut">
               <a:rPr lang="en-US" smtClean="0"/>
-              <a:t>5/12/2022</a:t>
+              <a:t>8/10/2022</a:t>
             </a:fld>
             <a:endParaRPr lang="en-US"/>
           </a:p>
@@ -1593,7 +1617,7 @@
           <a:p>
             <a:fld id="{9202B75C-0EBB-4B30-BBC4-C5E69FFFE7FE}" type="datetimeFigureOut">
               <a:rPr lang="nb-NO" smtClean="0"/>
-              <a:t>12.05.2022</a:t>
+              <a:t>10.08.2022</a:t>
             </a:fld>
             <a:endParaRPr lang="nb-NO"/>
           </a:p>
@@ -5294,7 +5318,7 @@
           <p:nvPr>
             <p:extLst>
               <p:ext uri="{D42A27DB-BD31-4B8C-83A1-F6EECF244321}">
-                <p14:modId xmlns:p14="http://schemas.microsoft.com/office/powerpoint/2010/main" val="4168088973"/>
+                <p14:modId xmlns:p14="http://schemas.microsoft.com/office/powerpoint/2010/main" val="1125123556"/>
               </p:ext>
             </p:extLst>
           </p:nvPr>
@@ -6251,7 +6275,23 @@
                   <a:schemeClr val="tx1"/>
                 </a:solidFill>
               </a:rPr>
-              <a:t> eta </a:t>
+              <a:t> </a:t>
+            </a:r>
+            <a:r>
+              <a:rPr lang="el-GR" sz="1600" dirty="0">
+                <a:solidFill>
+                  <a:schemeClr val="tx1"/>
+                </a:solidFill>
+              </a:rPr>
+              <a:t>η</a:t>
+            </a:r>
+            <a:r>
+              <a:rPr lang="nb-NO" sz="1600" dirty="0">
+                <a:solidFill>
+                  <a:schemeClr val="tx1"/>
+                </a:solidFill>
+              </a:rPr>
+              <a:t> </a:t>
             </a:r>
             <a:r>
               <a:rPr lang="nb-NO" sz="1600" dirty="0" err="1">
@@ -8462,12 +8502,6 @@
 </file>
 
 <file path=customXml/item2.xml><?xml version="1.0" encoding="utf-8"?>
-<p:properties xmlns:p="http://schemas.microsoft.com/office/2006/metadata/properties" xmlns:xsi="http://www.w3.org/2001/XMLSchema-instance" xmlns:pc="http://schemas.microsoft.com/office/infopath/2007/PartnerControls">
-  <documentManagement/>
-</p:properties>
-</file>
-
-<file path=customXml/item3.xml><?xml version="1.0" encoding="utf-8"?>
 <ct:contentTypeSchema xmlns:ct="http://schemas.microsoft.com/office/2006/metadata/contentType" xmlns:ma="http://schemas.microsoft.com/office/2006/metadata/properties/metaAttributes" ct:_="" ma:_="" ma:contentTypeName="Document" ma:contentTypeID="0x0101005211F725C9B5C4468CB16BF006DC038E" ma:contentTypeVersion="14" ma:contentTypeDescription="Create a new document." ma:contentTypeScope="" ma:versionID="8fc18fa9082498103a389be71d804ccc">
   <xsd:schema xmlns:xsd="http://www.w3.org/2001/XMLSchema" xmlns:xs="http://www.w3.org/2001/XMLSchema" xmlns:p="http://schemas.microsoft.com/office/2006/metadata/properties" xmlns:ns3="bb43da5c-49da-475c-8c5c-3244aed61b0c" xmlns:ns4="c946b7e2-cc54-4581-898e-1f5d59eaacce" targetNamespace="http://schemas.microsoft.com/office/2006/metadata/properties" ma:root="true" ma:fieldsID="bd6a4fdcec273fc91dcb004f2a676485" ns3:_="" ns4:_="">
     <xsd:import namespace="bb43da5c-49da-475c-8c5c-3244aed61b0c"/>
@@ -8696,6 +8730,12 @@
 </ct:contentTypeSchema>
 </file>
 
+<file path=customXml/item3.xml><?xml version="1.0" encoding="utf-8"?>
+<p:properties xmlns:p="http://schemas.microsoft.com/office/2006/metadata/properties" xmlns:xsi="http://www.w3.org/2001/XMLSchema-instance" xmlns:pc="http://schemas.microsoft.com/office/infopath/2007/PartnerControls">
+  <documentManagement/>
+</p:properties>
+</file>
+
 <file path=customXml/itemProps1.xml><?xml version="1.0" encoding="utf-8"?>
 <ds:datastoreItem xmlns:ds="http://schemas.openxmlformats.org/officeDocument/2006/customXml" ds:itemID="{09F3C062-D38F-48CE-91BA-6E0D2C668D03}">
   <ds:schemaRefs>
@@ -8705,23 +8745,6 @@
 </file>
 
 <file path=customXml/itemProps2.xml><?xml version="1.0" encoding="utf-8"?>
-<ds:datastoreItem xmlns:ds="http://schemas.openxmlformats.org/officeDocument/2006/customXml" ds:itemID="{EC2C04E8-859A-4A48-8B82-9D65E9A426FA}">
-  <ds:schemaRefs>
-    <ds:schemaRef ds:uri="http://schemas.microsoft.com/office/2006/documentManagement/types"/>
-    <ds:schemaRef ds:uri="http://schemas.microsoft.com/office/infopath/2007/PartnerControls"/>
-    <ds:schemaRef ds:uri="http://purl.org/dc/elements/1.1/"/>
-    <ds:schemaRef ds:uri="http://schemas.microsoft.com/office/2006/metadata/properties"/>
-    <ds:schemaRef ds:uri="bb43da5c-49da-475c-8c5c-3244aed61b0c"/>
-    <ds:schemaRef ds:uri="http://purl.org/dc/terms/"/>
-    <ds:schemaRef ds:uri="http://schemas.openxmlformats.org/package/2006/metadata/core-properties"/>
-    <ds:schemaRef ds:uri="c946b7e2-cc54-4581-898e-1f5d59eaacce"/>
-    <ds:schemaRef ds:uri="http://www.w3.org/XML/1998/namespace"/>
-    <ds:schemaRef ds:uri="http://purl.org/dc/dcmitype/"/>
-  </ds:schemaRefs>
-</ds:datastoreItem>
-</file>
-
-<file path=customXml/itemProps3.xml><?xml version="1.0" encoding="utf-8"?>
 <ds:datastoreItem xmlns:ds="http://schemas.openxmlformats.org/officeDocument/2006/customXml" ds:itemID="{12D208BF-EEC9-45B6-8386-1DCA7AC396C0}">
   <ds:schemaRefs>
     <ds:schemaRef ds:uri="http://schemas.microsoft.com/office/2006/metadata/contentType"/>
@@ -8738,4 +8761,21 @@
     <ds:schemaRef ds:uri="http://schemas.microsoft.com/internal/obd"/>
   </ds:schemaRefs>
 </ds:datastoreItem>
+</file>
+
+<file path=customXml/itemProps3.xml><?xml version="1.0" encoding="utf-8"?>
+<ds:datastoreItem xmlns:ds="http://schemas.openxmlformats.org/officeDocument/2006/customXml" ds:itemID="{EC2C04E8-859A-4A48-8B82-9D65E9A426FA}">
+  <ds:schemaRefs>
+    <ds:schemaRef ds:uri="http://schemas.microsoft.com/office/2006/documentManagement/types"/>
+    <ds:schemaRef ds:uri="http://schemas.microsoft.com/office/infopath/2007/PartnerControls"/>
+    <ds:schemaRef ds:uri="http://purl.org/dc/elements/1.1/"/>
+    <ds:schemaRef ds:uri="http://schemas.microsoft.com/office/2006/metadata/properties"/>
+    <ds:schemaRef ds:uri="bb43da5c-49da-475c-8c5c-3244aed61b0c"/>
+    <ds:schemaRef ds:uri="http://purl.org/dc/terms/"/>
+    <ds:schemaRef ds:uri="http://schemas.openxmlformats.org/package/2006/metadata/core-properties"/>
+    <ds:schemaRef ds:uri="c946b7e2-cc54-4581-898e-1f5d59eaacce"/>
+    <ds:schemaRef ds:uri="http://www.w3.org/XML/1998/namespace"/>
+    <ds:schemaRef ds:uri="http://purl.org/dc/dcmitype/"/>
+  </ds:schemaRefs>
+</ds:datastoreItem>
 </file>